--- a/JAVA DB MANAGER.pptx
+++ b/JAVA DB MANAGER.pptx
@@ -11,6 +11,9 @@
     <p:sldId id="259" r:id="rId5"/>
     <p:sldId id="260" r:id="rId6"/>
     <p:sldId id="261" r:id="rId7"/>
+    <p:sldId id="262" r:id="rId8"/>
+    <p:sldId id="263" r:id="rId9"/>
+    <p:sldId id="264" r:id="rId10"/>
   </p:sldIdLst>
   <p:sldSz cx="12192000" cy="6858000"/>
   <p:notesSz cx="6858000" cy="9144000"/>
@@ -109,6 +112,11 @@
       </a:defRPr>
     </a:lvl9pPr>
   </p:defaultTextStyle>
+  <p:extLst>
+    <p:ext uri="{EFAFB233-063F-42B5-8137-9DF3F51BA10A}">
+      <p15:sldGuideLst xmlns:p15="http://schemas.microsoft.com/office/powerpoint/2012/main"/>
+    </p:ext>
+  </p:extLst>
 </p:presentation>
 </file>
 
@@ -6906,7 +6914,12 @@
             <p:ph type="title"/>
           </p:nvPr>
         </p:nvSpPr>
-        <p:spPr/>
+        <p:spPr>
+          <a:xfrm>
+            <a:off x="1484310" y="397475"/>
+            <a:ext cx="10018713" cy="1752599"/>
+          </a:xfrm>
+        </p:spPr>
         <p:txBody>
           <a:bodyPr>
             <a:normAutofit/>
@@ -6936,15 +6949,324 @@
           <a:bodyPr/>
           <a:lstStyle/>
           <a:p>
+            <a:endParaRPr lang="es-ES" dirty="0" smtClean="0"/>
+          </a:p>
+          <a:p>
+            <a:endParaRPr lang="es-ES" dirty="0"/>
+          </a:p>
+        </p:txBody>
+      </p:sp>
+      <p:sp>
+        <p:nvSpPr>
+          <p:cNvPr id="4" name="Marcador de contenido 2"/>
+          <p:cNvSpPr txBox="1">
+            <a:spLocks/>
+          </p:cNvSpPr>
+          <p:nvPr/>
+        </p:nvSpPr>
+        <p:spPr>
+          <a:xfrm>
+            <a:off x="1636709" y="3074772"/>
+            <a:ext cx="10018713" cy="3124201"/>
+          </a:xfrm>
+          <a:prstGeom prst="rect">
+            <a:avLst/>
+          </a:prstGeom>
+        </p:spPr>
+        <p:txBody>
+          <a:bodyPr vert="horz" lIns="91440" tIns="45720" rIns="91440" bIns="45720" rtlCol="0" anchor="ctr">
+            <a:normAutofit/>
+          </a:bodyPr>
+          <a:lstStyle>
+            <a:lvl1pPr marL="285750" indent="-285750" algn="l" defTabSz="457200" rtl="0" eaLnBrk="1" latinLnBrk="0" hangingPunct="1">
+              <a:spcBef>
+                <a:spcPct val="20000"/>
+              </a:spcBef>
+              <a:spcAft>
+                <a:spcPts val="600"/>
+              </a:spcAft>
+              <a:buClr>
+                <a:schemeClr val="accent1">
+                  <a:lumMod val="75000"/>
+                </a:schemeClr>
+              </a:buClr>
+              <a:buSzPct val="145000"/>
+              <a:buFont typeface="Arial"/>
+              <a:buChar char="•"/>
+              <a:defRPr sz="2400" kern="1200" cap="none">
+                <a:solidFill>
+                  <a:schemeClr val="tx1"/>
+                </a:solidFill>
+                <a:effectLst/>
+                <a:latin typeface="+mn-lt"/>
+                <a:ea typeface="+mn-ea"/>
+                <a:cs typeface="+mn-cs"/>
+              </a:defRPr>
+            </a:lvl1pPr>
+            <a:lvl2pPr marL="742950" indent="-285750" algn="l" defTabSz="457200" rtl="0" eaLnBrk="1" latinLnBrk="0" hangingPunct="1">
+              <a:spcBef>
+                <a:spcPct val="20000"/>
+              </a:spcBef>
+              <a:spcAft>
+                <a:spcPts val="600"/>
+              </a:spcAft>
+              <a:buClr>
+                <a:schemeClr val="accent1">
+                  <a:lumMod val="75000"/>
+                </a:schemeClr>
+              </a:buClr>
+              <a:buSzPct val="145000"/>
+              <a:buFont typeface="Arial"/>
+              <a:buChar char="•"/>
+              <a:defRPr sz="2000" kern="1200" cap="none">
+                <a:solidFill>
+                  <a:schemeClr val="tx1"/>
+                </a:solidFill>
+                <a:effectLst/>
+                <a:latin typeface="+mn-lt"/>
+                <a:ea typeface="+mn-ea"/>
+                <a:cs typeface="+mn-cs"/>
+              </a:defRPr>
+            </a:lvl2pPr>
+            <a:lvl3pPr marL="1200150" indent="-285750" algn="l" defTabSz="457200" rtl="0" eaLnBrk="1" latinLnBrk="0" hangingPunct="1">
+              <a:spcBef>
+                <a:spcPct val="20000"/>
+              </a:spcBef>
+              <a:spcAft>
+                <a:spcPts val="600"/>
+              </a:spcAft>
+              <a:buClr>
+                <a:schemeClr val="accent1">
+                  <a:lumMod val="75000"/>
+                </a:schemeClr>
+              </a:buClr>
+              <a:buSzPct val="145000"/>
+              <a:buFont typeface="Arial"/>
+              <a:buChar char="•"/>
+              <a:defRPr sz="1800" kern="1200" cap="none">
+                <a:solidFill>
+                  <a:schemeClr val="tx1"/>
+                </a:solidFill>
+                <a:effectLst/>
+                <a:latin typeface="+mn-lt"/>
+                <a:ea typeface="+mn-ea"/>
+                <a:cs typeface="+mn-cs"/>
+              </a:defRPr>
+            </a:lvl3pPr>
+            <a:lvl4pPr marL="1543050" indent="-171450" algn="l" defTabSz="457200" rtl="0" eaLnBrk="1" latinLnBrk="0" hangingPunct="1">
+              <a:spcBef>
+                <a:spcPct val="20000"/>
+              </a:spcBef>
+              <a:spcAft>
+                <a:spcPts val="600"/>
+              </a:spcAft>
+              <a:buClr>
+                <a:schemeClr val="accent1">
+                  <a:lumMod val="75000"/>
+                </a:schemeClr>
+              </a:buClr>
+              <a:buSzPct val="145000"/>
+              <a:buFont typeface="Arial"/>
+              <a:buChar char="•"/>
+              <a:defRPr sz="1600" kern="1200" cap="none">
+                <a:solidFill>
+                  <a:schemeClr val="tx1"/>
+                </a:solidFill>
+                <a:effectLst/>
+                <a:latin typeface="+mn-lt"/>
+                <a:ea typeface="+mn-ea"/>
+                <a:cs typeface="+mn-cs"/>
+              </a:defRPr>
+            </a:lvl4pPr>
+            <a:lvl5pPr marL="2000250" indent="-171450" algn="l" defTabSz="457200" rtl="0" eaLnBrk="1" latinLnBrk="0" hangingPunct="1">
+              <a:spcBef>
+                <a:spcPct val="20000"/>
+              </a:spcBef>
+              <a:spcAft>
+                <a:spcPts val="600"/>
+              </a:spcAft>
+              <a:buClr>
+                <a:schemeClr val="accent1">
+                  <a:lumMod val="75000"/>
+                </a:schemeClr>
+              </a:buClr>
+              <a:buSzPct val="145000"/>
+              <a:buFont typeface="Arial"/>
+              <a:buChar char="•"/>
+              <a:defRPr sz="1400" kern="1200" cap="none">
+                <a:solidFill>
+                  <a:schemeClr val="tx1"/>
+                </a:solidFill>
+                <a:effectLst/>
+                <a:latin typeface="+mn-lt"/>
+                <a:ea typeface="+mn-ea"/>
+                <a:cs typeface="+mn-cs"/>
+              </a:defRPr>
+            </a:lvl5pPr>
+            <a:lvl6pPr marL="2514600" indent="-228600" algn="l" defTabSz="457200" rtl="0" eaLnBrk="1" latinLnBrk="0" hangingPunct="1">
+              <a:spcBef>
+                <a:spcPct val="20000"/>
+              </a:spcBef>
+              <a:spcAft>
+                <a:spcPts val="600"/>
+              </a:spcAft>
+              <a:buClr>
+                <a:schemeClr val="accent1">
+                  <a:lumMod val="75000"/>
+                </a:schemeClr>
+              </a:buClr>
+              <a:buSzPct val="145000"/>
+              <a:buFont typeface="Arial"/>
+              <a:buChar char="•"/>
+              <a:defRPr sz="1400" kern="1200" cap="none">
+                <a:solidFill>
+                  <a:schemeClr val="tx1"/>
+                </a:solidFill>
+                <a:effectLst/>
+                <a:latin typeface="+mn-lt"/>
+                <a:ea typeface="+mn-ea"/>
+                <a:cs typeface="+mn-cs"/>
+              </a:defRPr>
+            </a:lvl6pPr>
+            <a:lvl7pPr marL="2971800" indent="-228600" algn="l" defTabSz="457200" rtl="0" eaLnBrk="1" latinLnBrk="0" hangingPunct="1">
+              <a:spcBef>
+                <a:spcPct val="20000"/>
+              </a:spcBef>
+              <a:spcAft>
+                <a:spcPts val="600"/>
+              </a:spcAft>
+              <a:buClr>
+                <a:schemeClr val="accent1">
+                  <a:lumMod val="75000"/>
+                </a:schemeClr>
+              </a:buClr>
+              <a:buSzPct val="145000"/>
+              <a:buFont typeface="Arial"/>
+              <a:buChar char="•"/>
+              <a:defRPr sz="1400" kern="1200" cap="none">
+                <a:solidFill>
+                  <a:schemeClr val="tx1"/>
+                </a:solidFill>
+                <a:effectLst/>
+                <a:latin typeface="+mn-lt"/>
+                <a:ea typeface="+mn-ea"/>
+                <a:cs typeface="+mn-cs"/>
+              </a:defRPr>
+            </a:lvl7pPr>
+            <a:lvl8pPr marL="3429000" indent="-228600" algn="l" defTabSz="457200" rtl="0" eaLnBrk="1" latinLnBrk="0" hangingPunct="1">
+              <a:spcBef>
+                <a:spcPct val="20000"/>
+              </a:spcBef>
+              <a:spcAft>
+                <a:spcPts val="600"/>
+              </a:spcAft>
+              <a:buClr>
+                <a:schemeClr val="accent1">
+                  <a:lumMod val="75000"/>
+                </a:schemeClr>
+              </a:buClr>
+              <a:buSzPct val="145000"/>
+              <a:buFont typeface="Arial"/>
+              <a:buChar char="•"/>
+              <a:defRPr sz="1400" kern="1200" cap="none">
+                <a:solidFill>
+                  <a:schemeClr val="tx1"/>
+                </a:solidFill>
+                <a:effectLst/>
+                <a:latin typeface="+mn-lt"/>
+                <a:ea typeface="+mn-ea"/>
+                <a:cs typeface="+mn-cs"/>
+              </a:defRPr>
+            </a:lvl8pPr>
+            <a:lvl9pPr marL="3886200" indent="-228600" algn="l" defTabSz="457200" rtl="0" eaLnBrk="1" latinLnBrk="0" hangingPunct="1">
+              <a:spcBef>
+                <a:spcPct val="20000"/>
+              </a:spcBef>
+              <a:spcAft>
+                <a:spcPts val="600"/>
+              </a:spcAft>
+              <a:buClr>
+                <a:schemeClr val="accent1">
+                  <a:lumMod val="75000"/>
+                </a:schemeClr>
+              </a:buClr>
+              <a:buSzPct val="145000"/>
+              <a:buFont typeface="Arial"/>
+              <a:buChar char="•"/>
+              <a:defRPr sz="1400" kern="1200" cap="none">
+                <a:solidFill>
+                  <a:schemeClr val="tx1"/>
+                </a:solidFill>
+                <a:effectLst/>
+                <a:latin typeface="+mn-lt"/>
+                <a:ea typeface="+mn-ea"/>
+                <a:cs typeface="+mn-cs"/>
+              </a:defRPr>
+            </a:lvl9pPr>
+          </a:lstStyle>
+          <a:p>
             <a:r>
               <a:rPr lang="es-ES" dirty="0" smtClean="0"/>
-              <a:t>Diseño de una interfaz </a:t>
-            </a:r>
-            <a:r>
-              <a:rPr lang="es-ES" smtClean="0"/>
-              <a:t>de usuario (UI) </a:t>
-            </a:r>
-            <a:endParaRPr lang="es-ES"/>
+              <a:t>Diseño de una interfaz de usuario (UI) que maximiza la visibilidad de los datos.</a:t>
+            </a:r>
+          </a:p>
+          <a:p>
+            <a:r>
+              <a:rPr lang="es-ES" dirty="0" smtClean="0"/>
+              <a:t>Menús de opciones agrupados en pequeñas regiones con funciones similares.</a:t>
+            </a:r>
+          </a:p>
+          <a:p>
+            <a:r>
+              <a:rPr lang="es-ES" dirty="0" smtClean="0"/>
+              <a:t>Las funciones SQL están incluidas en la ventana principal mientras que las secundarias (autenticación, documentación) están en los menús superiores.</a:t>
+            </a:r>
+          </a:p>
+          <a:p>
+            <a:endParaRPr lang="es-ES" dirty="0"/>
+          </a:p>
+        </p:txBody>
+      </p:sp>
+      <p:sp>
+        <p:nvSpPr>
+          <p:cNvPr id="6" name="CuadroTexto 5"/>
+          <p:cNvSpPr txBox="1"/>
+          <p:nvPr/>
+        </p:nvSpPr>
+        <p:spPr>
+          <a:xfrm>
+            <a:off x="3688682" y="2045984"/>
+            <a:ext cx="5914768" cy="784830"/>
+          </a:xfrm>
+          <a:prstGeom prst="rect">
+            <a:avLst/>
+          </a:prstGeom>
+          <a:noFill/>
+        </p:spPr>
+        <p:txBody>
+          <a:bodyPr wrap="square" rtlCol="0">
+            <a:spAutoFit/>
+          </a:bodyPr>
+          <a:lstStyle/>
+          <a:p>
+            <a:pPr algn="ctr"/>
+            <a:r>
+              <a:rPr lang="es-ES" sz="4500" i="1" u="sng" dirty="0" smtClean="0">
+                <a:solidFill>
+                  <a:schemeClr val="accent4">
+                    <a:lumMod val="75000"/>
+                  </a:schemeClr>
+                </a:solidFill>
+              </a:rPr>
+              <a:t>INTERFAZ DE USUARIO</a:t>
+            </a:r>
+            <a:endParaRPr lang="es-ES" sz="4500" i="1" u="sng" dirty="0">
+              <a:solidFill>
+                <a:schemeClr val="accent4">
+                  <a:lumMod val="75000"/>
+                </a:schemeClr>
+              </a:solidFill>
+            </a:endParaRPr>
           </a:p>
         </p:txBody>
       </p:sp>
@@ -6952,6 +7274,378 @@
     <p:extLst>
       <p:ext uri="{BB962C8B-B14F-4D97-AF65-F5344CB8AC3E}">
         <p14:creationId xmlns:p14="http://schemas.microsoft.com/office/powerpoint/2010/main" val="3863157704"/>
+      </p:ext>
+    </p:extLst>
+  </p:cSld>
+  <p:clrMapOvr>
+    <a:masterClrMapping/>
+  </p:clrMapOvr>
+</p:sld>
+</file>
+
+<file path=ppt/slides/slide7.xml><?xml version="1.0" encoding="utf-8"?>
+<p:sld xmlns:a="http://schemas.openxmlformats.org/drawingml/2006/main" xmlns:r="http://schemas.openxmlformats.org/officeDocument/2006/relationships" xmlns:p="http://schemas.openxmlformats.org/presentationml/2006/main">
+  <p:cSld>
+    <p:spTree>
+      <p:nvGrpSpPr>
+        <p:cNvPr id="1" name=""/>
+        <p:cNvGrpSpPr/>
+        <p:nvPr/>
+      </p:nvGrpSpPr>
+      <p:grpSpPr>
+        <a:xfrm>
+          <a:off x="0" y="0"/>
+          <a:ext cx="0" cy="0"/>
+          <a:chOff x="0" y="0"/>
+          <a:chExt cx="0" cy="0"/>
+        </a:xfrm>
+      </p:grpSpPr>
+      <p:sp>
+        <p:nvSpPr>
+          <p:cNvPr id="3" name="Marcador de contenido 2"/>
+          <p:cNvSpPr>
+            <a:spLocks noGrp="1"/>
+          </p:cNvSpPr>
+          <p:nvPr>
+            <p:ph idx="1"/>
+          </p:nvPr>
+        </p:nvSpPr>
+        <p:spPr>
+          <a:xfrm>
+            <a:off x="1484310" y="1804087"/>
+            <a:ext cx="10018713" cy="3987114"/>
+          </a:xfrm>
+        </p:spPr>
+        <p:txBody>
+          <a:bodyPr/>
+          <a:lstStyle/>
+          <a:p>
+            <a:r>
+              <a:rPr lang="es-ES" dirty="0" smtClean="0"/>
+              <a:t>El acceso a la base de datos no es directo, sino que está filtrado por una capa de persistencia que adapta las variables del programa y los convierte en valores válidos para la conexión.</a:t>
+            </a:r>
+          </a:p>
+          <a:p>
+            <a:r>
+              <a:rPr lang="es-ES" dirty="0" smtClean="0"/>
+              <a:t>La conexión a la BD está basada en el patrón de diseño SINGLETON, lo que impide que haya más de una conexión creada a la vez ya que esto es propenso a errores, </a:t>
+            </a:r>
+            <a:r>
+              <a:rPr lang="es-ES" dirty="0" err="1" smtClean="0"/>
+              <a:t>timeouts</a:t>
+            </a:r>
+            <a:r>
+              <a:rPr lang="es-ES" dirty="0" smtClean="0"/>
+              <a:t> y desconexiones del servidor.</a:t>
+            </a:r>
+          </a:p>
+          <a:p>
+            <a:r>
+              <a:rPr lang="es-ES" dirty="0" smtClean="0"/>
+              <a:t>Estas funciones están localizadas en el archivo db.PersistenceWrapper.java</a:t>
+            </a:r>
+            <a:endParaRPr lang="es-ES" dirty="0"/>
+          </a:p>
+        </p:txBody>
+      </p:sp>
+      <p:sp>
+        <p:nvSpPr>
+          <p:cNvPr id="4" name="CuadroTexto 3"/>
+          <p:cNvSpPr txBox="1"/>
+          <p:nvPr/>
+        </p:nvSpPr>
+        <p:spPr>
+          <a:xfrm>
+            <a:off x="3536282" y="777357"/>
+            <a:ext cx="5914768" cy="784830"/>
+          </a:xfrm>
+          <a:prstGeom prst="rect">
+            <a:avLst/>
+          </a:prstGeom>
+          <a:noFill/>
+        </p:spPr>
+        <p:txBody>
+          <a:bodyPr wrap="square" rtlCol="0">
+            <a:spAutoFit/>
+          </a:bodyPr>
+          <a:lstStyle/>
+          <a:p>
+            <a:pPr algn="ctr"/>
+            <a:r>
+              <a:rPr lang="es-ES" sz="4500" i="1" u="sng" dirty="0" smtClean="0">
+                <a:solidFill>
+                  <a:schemeClr val="accent4">
+                    <a:lumMod val="75000"/>
+                  </a:schemeClr>
+                </a:solidFill>
+              </a:rPr>
+              <a:t>PERSISTENCIA CON DB</a:t>
+            </a:r>
+            <a:endParaRPr lang="es-ES" sz="4500" i="1" u="sng" dirty="0">
+              <a:solidFill>
+                <a:schemeClr val="accent4">
+                  <a:lumMod val="75000"/>
+                </a:schemeClr>
+              </a:solidFill>
+            </a:endParaRPr>
+          </a:p>
+        </p:txBody>
+      </p:sp>
+    </p:spTree>
+    <p:extLst>
+      <p:ext uri="{BB962C8B-B14F-4D97-AF65-F5344CB8AC3E}">
+        <p14:creationId xmlns:p14="http://schemas.microsoft.com/office/powerpoint/2010/main" val="234702239"/>
+      </p:ext>
+    </p:extLst>
+  </p:cSld>
+  <p:clrMapOvr>
+    <a:masterClrMapping/>
+  </p:clrMapOvr>
+</p:sld>
+</file>
+
+<file path=ppt/slides/slide8.xml><?xml version="1.0" encoding="utf-8"?>
+<p:sld xmlns:a="http://schemas.openxmlformats.org/drawingml/2006/main" xmlns:r="http://schemas.openxmlformats.org/officeDocument/2006/relationships" xmlns:p="http://schemas.openxmlformats.org/presentationml/2006/main">
+  <p:cSld>
+    <p:spTree>
+      <p:nvGrpSpPr>
+        <p:cNvPr id="1" name=""/>
+        <p:cNvGrpSpPr/>
+        <p:nvPr/>
+      </p:nvGrpSpPr>
+      <p:grpSpPr>
+        <a:xfrm>
+          <a:off x="0" y="0"/>
+          <a:ext cx="0" cy="0"/>
+          <a:chOff x="0" y="0"/>
+          <a:chExt cx="0" cy="0"/>
+        </a:xfrm>
+      </p:grpSpPr>
+      <p:sp>
+        <p:nvSpPr>
+          <p:cNvPr id="3" name="Marcador de contenido 2"/>
+          <p:cNvSpPr>
+            <a:spLocks noGrp="1"/>
+          </p:cNvSpPr>
+          <p:nvPr>
+            <p:ph idx="1"/>
+          </p:nvPr>
+        </p:nvSpPr>
+        <p:spPr>
+          <a:xfrm>
+            <a:off x="1484310" y="1861751"/>
+            <a:ext cx="10018713" cy="3929449"/>
+          </a:xfrm>
+        </p:spPr>
+        <p:txBody>
+          <a:bodyPr/>
+          <a:lstStyle/>
+          <a:p>
+            <a:r>
+              <a:rPr lang="es-ES" dirty="0" smtClean="0"/>
+              <a:t>En el diseño actual de la aplicación, la interfaz en ningún momento accede a la base de datos por si misma.</a:t>
+            </a:r>
+          </a:p>
+          <a:p>
+            <a:r>
+              <a:rPr lang="es-ES" dirty="0" smtClean="0"/>
+              <a:t>Existe una clase java llamada </a:t>
+            </a:r>
+            <a:r>
+              <a:rPr lang="es-ES" dirty="0" err="1" smtClean="0"/>
+              <a:t>ObjectManager</a:t>
+            </a:r>
+            <a:r>
+              <a:rPr lang="es-ES" dirty="0" smtClean="0"/>
+              <a:t> que hace de </a:t>
+            </a:r>
+            <a:r>
+              <a:rPr lang="es-ES" dirty="0" err="1" smtClean="0"/>
+              <a:t>medidador</a:t>
+            </a:r>
+            <a:r>
+              <a:rPr lang="es-ES" dirty="0" smtClean="0"/>
+              <a:t> entre los elementos de la interfaz y la persistencia, ya que los valores devueltos por los componentes swing no siempre son adecuados para la inserción directa en SQL.</a:t>
+            </a:r>
+          </a:p>
+          <a:p>
+            <a:r>
+              <a:rPr lang="es-ES" dirty="0" smtClean="0"/>
+              <a:t>Esta clase contiene la abstracción de todos los métodos y algunos métodos auxiliares extra necesarios para la aplicación.</a:t>
+            </a:r>
+            <a:endParaRPr lang="es-ES" dirty="0"/>
+          </a:p>
+        </p:txBody>
+      </p:sp>
+      <p:sp>
+        <p:nvSpPr>
+          <p:cNvPr id="4" name="CuadroTexto 3"/>
+          <p:cNvSpPr txBox="1"/>
+          <p:nvPr/>
+        </p:nvSpPr>
+        <p:spPr>
+          <a:xfrm>
+            <a:off x="3536282" y="777357"/>
+            <a:ext cx="5914768" cy="784830"/>
+          </a:xfrm>
+          <a:prstGeom prst="rect">
+            <a:avLst/>
+          </a:prstGeom>
+          <a:noFill/>
+        </p:spPr>
+        <p:txBody>
+          <a:bodyPr wrap="square" rtlCol="0">
+            <a:spAutoFit/>
+          </a:bodyPr>
+          <a:lstStyle/>
+          <a:p>
+            <a:pPr algn="ctr"/>
+            <a:r>
+              <a:rPr lang="es-ES" sz="4500" i="1" u="sng" dirty="0" smtClean="0">
+                <a:solidFill>
+                  <a:schemeClr val="accent4">
+                    <a:lumMod val="75000"/>
+                  </a:schemeClr>
+                </a:solidFill>
+              </a:rPr>
+              <a:t>TRANSPARENCIA UI-DB</a:t>
+            </a:r>
+            <a:endParaRPr lang="es-ES" sz="4500" i="1" u="sng" dirty="0">
+              <a:solidFill>
+                <a:schemeClr val="accent4">
+                  <a:lumMod val="75000"/>
+                </a:schemeClr>
+              </a:solidFill>
+            </a:endParaRPr>
+          </a:p>
+        </p:txBody>
+      </p:sp>
+    </p:spTree>
+    <p:extLst>
+      <p:ext uri="{BB962C8B-B14F-4D97-AF65-F5344CB8AC3E}">
+        <p14:creationId xmlns:p14="http://schemas.microsoft.com/office/powerpoint/2010/main" val="4023347646"/>
+      </p:ext>
+    </p:extLst>
+  </p:cSld>
+  <p:clrMapOvr>
+    <a:masterClrMapping/>
+  </p:clrMapOvr>
+</p:sld>
+</file>
+
+<file path=ppt/slides/slide9.xml><?xml version="1.0" encoding="utf-8"?>
+<p:sld xmlns:a="http://schemas.openxmlformats.org/drawingml/2006/main" xmlns:r="http://schemas.openxmlformats.org/officeDocument/2006/relationships" xmlns:p="http://schemas.openxmlformats.org/presentationml/2006/main">
+  <p:cSld>
+    <p:spTree>
+      <p:nvGrpSpPr>
+        <p:cNvPr id="1" name=""/>
+        <p:cNvGrpSpPr/>
+        <p:nvPr/>
+      </p:nvGrpSpPr>
+      <p:grpSpPr>
+        <a:xfrm>
+          <a:off x="0" y="0"/>
+          <a:ext cx="0" cy="0"/>
+          <a:chOff x="0" y="0"/>
+          <a:chExt cx="0" cy="0"/>
+        </a:xfrm>
+      </p:grpSpPr>
+      <p:sp>
+        <p:nvSpPr>
+          <p:cNvPr id="3" name="Marcador de contenido 2"/>
+          <p:cNvSpPr>
+            <a:spLocks noGrp="1"/>
+          </p:cNvSpPr>
+          <p:nvPr>
+            <p:ph idx="1"/>
+          </p:nvPr>
+        </p:nvSpPr>
+        <p:spPr/>
+        <p:txBody>
+          <a:bodyPr/>
+          <a:lstStyle/>
+          <a:p>
+            <a:r>
+              <a:rPr lang="es-ES" dirty="0" smtClean="0"/>
+              <a:t>La autenticación del sistema está basada en la tabla </a:t>
+            </a:r>
+            <a:r>
+              <a:rPr lang="es-ES" dirty="0" err="1" smtClean="0"/>
+              <a:t>Users</a:t>
+            </a:r>
+            <a:r>
+              <a:rPr lang="es-ES" dirty="0" smtClean="0"/>
+              <a:t> de </a:t>
+            </a:r>
+            <a:r>
+              <a:rPr lang="es-ES" dirty="0" err="1" smtClean="0"/>
+              <a:t>MySQL</a:t>
+            </a:r>
+            <a:r>
+              <a:rPr lang="es-ES" dirty="0" smtClean="0"/>
+              <a:t>, lo he delega en el servidor los usuarios válidos y los privilegios para no tener dos capas de autenticación repetitivas.</a:t>
+            </a:r>
+          </a:p>
+          <a:p>
+            <a:r>
+              <a:rPr lang="es-ES" dirty="0" smtClean="0"/>
+              <a:t>La generación de usuarios desde la UI permite delegar permisos sobre una sola base de datos, por el principio de </a:t>
+            </a:r>
+            <a:r>
+              <a:rPr lang="es-ES" smtClean="0"/>
+              <a:t>Mínimos Privilegios.</a:t>
+            </a:r>
+            <a:endParaRPr lang="es-ES" dirty="0"/>
+          </a:p>
+        </p:txBody>
+      </p:sp>
+      <p:sp>
+        <p:nvSpPr>
+          <p:cNvPr id="6" name="CuadroTexto 5"/>
+          <p:cNvSpPr txBox="1"/>
+          <p:nvPr/>
+        </p:nvSpPr>
+        <p:spPr>
+          <a:xfrm>
+            <a:off x="3229232" y="777357"/>
+            <a:ext cx="6221818" cy="784830"/>
+          </a:xfrm>
+          <a:prstGeom prst="rect">
+            <a:avLst/>
+          </a:prstGeom>
+          <a:noFill/>
+        </p:spPr>
+        <p:txBody>
+          <a:bodyPr wrap="square" rtlCol="0">
+            <a:spAutoFit/>
+          </a:bodyPr>
+          <a:lstStyle/>
+          <a:p>
+            <a:pPr algn="ctr"/>
+            <a:r>
+              <a:rPr lang="es-ES" sz="4500" i="1" u="sng" dirty="0" smtClean="0">
+                <a:solidFill>
+                  <a:schemeClr val="accent4">
+                    <a:lumMod val="75000"/>
+                  </a:schemeClr>
+                </a:solidFill>
+              </a:rPr>
+              <a:t>AUTENTICACIÓN MYSQL</a:t>
+            </a:r>
+            <a:endParaRPr lang="es-ES" sz="4500" i="1" u="sng" dirty="0">
+              <a:solidFill>
+                <a:schemeClr val="accent4">
+                  <a:lumMod val="75000"/>
+                </a:schemeClr>
+              </a:solidFill>
+            </a:endParaRPr>
+          </a:p>
+        </p:txBody>
+      </p:sp>
+    </p:spTree>
+    <p:extLst>
+      <p:ext uri="{BB962C8B-B14F-4D97-AF65-F5344CB8AC3E}">
+        <p14:creationId xmlns:p14="http://schemas.microsoft.com/office/powerpoint/2010/main" val="201006831"/>
       </p:ext>
     </p:extLst>
   </p:cSld>
